--- a/ppt 16-9/1507.永活全能的神.pptx
+++ b/ppt 16-9/1507.永活全能的神.pptx
@@ -5,7 +5,7 @@
     <p:sldMasterId id="2147483648" r:id="rId1"/>
   </p:sldMasterIdLst>
   <p:sldIdLst>
-    <p:sldId id="1909" r:id="rId2"/>
+    <p:sldId id="1910" r:id="rId2"/>
   </p:sldIdLst>
   <p:sldSz cx="12192000" cy="6858000"/>
   <p:notesSz cx="6858000" cy="9144000"/>
@@ -129,7 +129,7 @@
           <p:cNvPr id="2" name="标题 1">
             <a:extLst>
               <a:ext uri="{FF2B5EF4-FFF2-40B4-BE49-F238E27FC236}">
-                <a16:creationId xmlns:a16="http://schemas.microsoft.com/office/drawing/2014/main" id="{EB7A7D08-079E-122C-C892-08C72C1763DD}"/>
+                <a16:creationId xmlns:a16="http://schemas.microsoft.com/office/drawing/2014/main" id="{CD38EC63-AB9C-7F56-71FB-F2E644E43D9F}"/>
               </a:ext>
             </a:extLst>
           </p:cNvPr>
@@ -166,7 +166,7 @@
           <p:cNvPr id="3" name="副标题 2">
             <a:extLst>
               <a:ext uri="{FF2B5EF4-FFF2-40B4-BE49-F238E27FC236}">
-                <a16:creationId xmlns:a16="http://schemas.microsoft.com/office/drawing/2014/main" id="{001854E1-66ED-549A-7699-62ADF11FBAF2}"/>
+                <a16:creationId xmlns:a16="http://schemas.microsoft.com/office/drawing/2014/main" id="{C00CDC12-6D86-D9BD-85DB-AB04E2896A12}"/>
               </a:ext>
             </a:extLst>
           </p:cNvPr>
@@ -236,7 +236,7 @@
           <p:cNvPr id="4" name="日期占位符 3">
             <a:extLst>
               <a:ext uri="{FF2B5EF4-FFF2-40B4-BE49-F238E27FC236}">
-                <a16:creationId xmlns:a16="http://schemas.microsoft.com/office/drawing/2014/main" id="{E92A1EFE-3A27-6258-B3C3-844EBDB0D3DE}"/>
+                <a16:creationId xmlns:a16="http://schemas.microsoft.com/office/drawing/2014/main" id="{E942C2E3-CE4E-C70E-AE67-C9E756DCE2E4}"/>
               </a:ext>
             </a:extLst>
           </p:cNvPr>
@@ -252,7 +252,7 @@
           <a:bodyPr/>
           <a:lstStyle/>
           <a:p>
-            <a:fld id="{73E399BA-B3A5-4DEC-BA6B-642F39DE5297}" type="datetimeFigureOut">
+            <a:fld id="{5150E77C-1645-447F-A10A-10B68F334176}" type="datetimeFigureOut">
               <a:rPr lang="zh-CN" altLang="en-US" smtClean="0"/>
               <a:t>2024/3/10</a:t>
             </a:fld>
@@ -265,7 +265,7 @@
           <p:cNvPr id="5" name="页脚占位符 4">
             <a:extLst>
               <a:ext uri="{FF2B5EF4-FFF2-40B4-BE49-F238E27FC236}">
-                <a16:creationId xmlns:a16="http://schemas.microsoft.com/office/drawing/2014/main" id="{9EFBD2DB-B789-FD6C-CA83-D60BB9A7687E}"/>
+                <a16:creationId xmlns:a16="http://schemas.microsoft.com/office/drawing/2014/main" id="{50EDA0BC-D399-100A-A806-787448F81323}"/>
               </a:ext>
             </a:extLst>
           </p:cNvPr>
@@ -290,7 +290,7 @@
           <p:cNvPr id="6" name="灯片编号占位符 5">
             <a:extLst>
               <a:ext uri="{FF2B5EF4-FFF2-40B4-BE49-F238E27FC236}">
-                <a16:creationId xmlns:a16="http://schemas.microsoft.com/office/drawing/2014/main" id="{1C371324-7B74-5F6B-002A-67A7F61AD551}"/>
+                <a16:creationId xmlns:a16="http://schemas.microsoft.com/office/drawing/2014/main" id="{F520050D-124B-18B3-37B2-1E6B809B7BE7}"/>
               </a:ext>
             </a:extLst>
           </p:cNvPr>
@@ -306,7 +306,7 @@
           <a:bodyPr/>
           <a:lstStyle/>
           <a:p>
-            <a:fld id="{292E05D2-2215-4862-A8B7-0365F4C1AC44}" type="slidenum">
+            <a:fld id="{12DBEA88-DD9E-40B0-87A6-E82F0C556AEF}" type="slidenum">
               <a:rPr lang="zh-CN" altLang="en-US" smtClean="0"/>
               <a:t>‹#›</a:t>
             </a:fld>
@@ -317,7 +317,7 @@
     </p:spTree>
     <p:extLst>
       <p:ext uri="{BB962C8B-B14F-4D97-AF65-F5344CB8AC3E}">
-        <p14:creationId xmlns:p14="http://schemas.microsoft.com/office/powerpoint/2010/main" val="4249094193"/>
+        <p14:creationId xmlns:p14="http://schemas.microsoft.com/office/powerpoint/2010/main" val="4195479234"/>
       </p:ext>
     </p:extLst>
   </p:cSld>
@@ -349,7 +349,7 @@
           <p:cNvPr id="2" name="标题 1">
             <a:extLst>
               <a:ext uri="{FF2B5EF4-FFF2-40B4-BE49-F238E27FC236}">
-                <a16:creationId xmlns:a16="http://schemas.microsoft.com/office/drawing/2014/main" id="{BCB0E229-202A-B817-5E2A-373699F70B1B}"/>
+                <a16:creationId xmlns:a16="http://schemas.microsoft.com/office/drawing/2014/main" id="{A6A44C9A-1FCF-9D1F-C9DA-28574EE0B5B9}"/>
               </a:ext>
             </a:extLst>
           </p:cNvPr>
@@ -377,7 +377,7 @@
           <p:cNvPr id="3" name="竖排文字占位符 2">
             <a:extLst>
               <a:ext uri="{FF2B5EF4-FFF2-40B4-BE49-F238E27FC236}">
-                <a16:creationId xmlns:a16="http://schemas.microsoft.com/office/drawing/2014/main" id="{25050F45-B7F0-EA81-45EA-F92CAFF820DA}"/>
+                <a16:creationId xmlns:a16="http://schemas.microsoft.com/office/drawing/2014/main" id="{3C86CCD6-B6A8-6B5F-2A86-19682DF965F4}"/>
               </a:ext>
             </a:extLst>
           </p:cNvPr>
@@ -434,7 +434,7 @@
           <p:cNvPr id="4" name="日期占位符 3">
             <a:extLst>
               <a:ext uri="{FF2B5EF4-FFF2-40B4-BE49-F238E27FC236}">
-                <a16:creationId xmlns:a16="http://schemas.microsoft.com/office/drawing/2014/main" id="{8C0846A2-4B3E-EC15-B310-B1F827CBEFCD}"/>
+                <a16:creationId xmlns:a16="http://schemas.microsoft.com/office/drawing/2014/main" id="{691237B4-6277-2559-737F-FDD6C73C829A}"/>
               </a:ext>
             </a:extLst>
           </p:cNvPr>
@@ -450,7 +450,7 @@
           <a:bodyPr/>
           <a:lstStyle/>
           <a:p>
-            <a:fld id="{73E399BA-B3A5-4DEC-BA6B-642F39DE5297}" type="datetimeFigureOut">
+            <a:fld id="{5150E77C-1645-447F-A10A-10B68F334176}" type="datetimeFigureOut">
               <a:rPr lang="zh-CN" altLang="en-US" smtClean="0"/>
               <a:t>2024/3/10</a:t>
             </a:fld>
@@ -463,7 +463,7 @@
           <p:cNvPr id="5" name="页脚占位符 4">
             <a:extLst>
               <a:ext uri="{FF2B5EF4-FFF2-40B4-BE49-F238E27FC236}">
-                <a16:creationId xmlns:a16="http://schemas.microsoft.com/office/drawing/2014/main" id="{D6D399C5-873D-D0ED-B652-E7790492DB59}"/>
+                <a16:creationId xmlns:a16="http://schemas.microsoft.com/office/drawing/2014/main" id="{157F5C34-135C-3EA6-3E95-BAAA65C8DD7B}"/>
               </a:ext>
             </a:extLst>
           </p:cNvPr>
@@ -488,7 +488,7 @@
           <p:cNvPr id="6" name="灯片编号占位符 5">
             <a:extLst>
               <a:ext uri="{FF2B5EF4-FFF2-40B4-BE49-F238E27FC236}">
-                <a16:creationId xmlns:a16="http://schemas.microsoft.com/office/drawing/2014/main" id="{89676EAE-EA6A-04D6-72B7-5F8857D70935}"/>
+                <a16:creationId xmlns:a16="http://schemas.microsoft.com/office/drawing/2014/main" id="{E5C1E6FB-36FD-08EE-E3B7-B405D0563C65}"/>
               </a:ext>
             </a:extLst>
           </p:cNvPr>
@@ -504,7 +504,7 @@
           <a:bodyPr/>
           <a:lstStyle/>
           <a:p>
-            <a:fld id="{292E05D2-2215-4862-A8B7-0365F4C1AC44}" type="slidenum">
+            <a:fld id="{12DBEA88-DD9E-40B0-87A6-E82F0C556AEF}" type="slidenum">
               <a:rPr lang="zh-CN" altLang="en-US" smtClean="0"/>
               <a:t>‹#›</a:t>
             </a:fld>
@@ -515,7 +515,7 @@
     </p:spTree>
     <p:extLst>
       <p:ext uri="{BB962C8B-B14F-4D97-AF65-F5344CB8AC3E}">
-        <p14:creationId xmlns:p14="http://schemas.microsoft.com/office/powerpoint/2010/main" val="3337014708"/>
+        <p14:creationId xmlns:p14="http://schemas.microsoft.com/office/powerpoint/2010/main" val="4073114041"/>
       </p:ext>
     </p:extLst>
   </p:cSld>
@@ -547,7 +547,7 @@
           <p:cNvPr id="2" name="竖排标题 1">
             <a:extLst>
               <a:ext uri="{FF2B5EF4-FFF2-40B4-BE49-F238E27FC236}">
-                <a16:creationId xmlns:a16="http://schemas.microsoft.com/office/drawing/2014/main" id="{A9864A47-48E5-DD55-8093-03309CD9D532}"/>
+                <a16:creationId xmlns:a16="http://schemas.microsoft.com/office/drawing/2014/main" id="{8E21C9C2-501D-642B-CCAD-40B685F31213}"/>
               </a:ext>
             </a:extLst>
           </p:cNvPr>
@@ -580,7 +580,7 @@
           <p:cNvPr id="3" name="竖排文字占位符 2">
             <a:extLst>
               <a:ext uri="{FF2B5EF4-FFF2-40B4-BE49-F238E27FC236}">
-                <a16:creationId xmlns:a16="http://schemas.microsoft.com/office/drawing/2014/main" id="{D4386182-22EA-C410-DA80-821DE6F4AB83}"/>
+                <a16:creationId xmlns:a16="http://schemas.microsoft.com/office/drawing/2014/main" id="{6E517BCE-B049-8AA7-52FF-C2FDFB2D7566}"/>
               </a:ext>
             </a:extLst>
           </p:cNvPr>
@@ -642,7 +642,7 @@
           <p:cNvPr id="4" name="日期占位符 3">
             <a:extLst>
               <a:ext uri="{FF2B5EF4-FFF2-40B4-BE49-F238E27FC236}">
-                <a16:creationId xmlns:a16="http://schemas.microsoft.com/office/drawing/2014/main" id="{FD0CCEE6-9633-31F6-5998-F5C76565ACDC}"/>
+                <a16:creationId xmlns:a16="http://schemas.microsoft.com/office/drawing/2014/main" id="{B64D7CCD-700E-B449-3DB8-B685FD8175C2}"/>
               </a:ext>
             </a:extLst>
           </p:cNvPr>
@@ -658,7 +658,7 @@
           <a:bodyPr/>
           <a:lstStyle/>
           <a:p>
-            <a:fld id="{73E399BA-B3A5-4DEC-BA6B-642F39DE5297}" type="datetimeFigureOut">
+            <a:fld id="{5150E77C-1645-447F-A10A-10B68F334176}" type="datetimeFigureOut">
               <a:rPr lang="zh-CN" altLang="en-US" smtClean="0"/>
               <a:t>2024/3/10</a:t>
             </a:fld>
@@ -671,7 +671,7 @@
           <p:cNvPr id="5" name="页脚占位符 4">
             <a:extLst>
               <a:ext uri="{FF2B5EF4-FFF2-40B4-BE49-F238E27FC236}">
-                <a16:creationId xmlns:a16="http://schemas.microsoft.com/office/drawing/2014/main" id="{7E6F30EB-FAC8-6CF8-F3D2-F8A26E257912}"/>
+                <a16:creationId xmlns:a16="http://schemas.microsoft.com/office/drawing/2014/main" id="{A2887F15-DEE9-E043-1CCA-7D5B8ABD18A0}"/>
               </a:ext>
             </a:extLst>
           </p:cNvPr>
@@ -696,7 +696,7 @@
           <p:cNvPr id="6" name="灯片编号占位符 5">
             <a:extLst>
               <a:ext uri="{FF2B5EF4-FFF2-40B4-BE49-F238E27FC236}">
-                <a16:creationId xmlns:a16="http://schemas.microsoft.com/office/drawing/2014/main" id="{7B2CE5BC-5382-6E22-3011-3F26DEB08A30}"/>
+                <a16:creationId xmlns:a16="http://schemas.microsoft.com/office/drawing/2014/main" id="{6CC19996-B65A-A326-691E-A0B41B1F61A8}"/>
               </a:ext>
             </a:extLst>
           </p:cNvPr>
@@ -712,7 +712,7 @@
           <a:bodyPr/>
           <a:lstStyle/>
           <a:p>
-            <a:fld id="{292E05D2-2215-4862-A8B7-0365F4C1AC44}" type="slidenum">
+            <a:fld id="{12DBEA88-DD9E-40B0-87A6-E82F0C556AEF}" type="slidenum">
               <a:rPr lang="zh-CN" altLang="en-US" smtClean="0"/>
               <a:t>‹#›</a:t>
             </a:fld>
@@ -723,7 +723,7 @@
     </p:spTree>
     <p:extLst>
       <p:ext uri="{BB962C8B-B14F-4D97-AF65-F5344CB8AC3E}">
-        <p14:creationId xmlns:p14="http://schemas.microsoft.com/office/powerpoint/2010/main" val="3461879455"/>
+        <p14:creationId xmlns:p14="http://schemas.microsoft.com/office/powerpoint/2010/main" val="3362280686"/>
       </p:ext>
     </p:extLst>
   </p:cSld>
@@ -755,7 +755,7 @@
           <p:cNvPr id="2" name="标题 1">
             <a:extLst>
               <a:ext uri="{FF2B5EF4-FFF2-40B4-BE49-F238E27FC236}">
-                <a16:creationId xmlns:a16="http://schemas.microsoft.com/office/drawing/2014/main" id="{6BF6DE6D-6DF9-CB5F-3402-C7A3DEEF0A09}"/>
+                <a16:creationId xmlns:a16="http://schemas.microsoft.com/office/drawing/2014/main" id="{F9622A5A-8273-78AB-6D30-31E0A5ACBF60}"/>
               </a:ext>
             </a:extLst>
           </p:cNvPr>
@@ -783,7 +783,7 @@
           <p:cNvPr id="3" name="内容占位符 2">
             <a:extLst>
               <a:ext uri="{FF2B5EF4-FFF2-40B4-BE49-F238E27FC236}">
-                <a16:creationId xmlns:a16="http://schemas.microsoft.com/office/drawing/2014/main" id="{9A58AD92-868C-C917-169D-7A727F3CBE73}"/>
+                <a16:creationId xmlns:a16="http://schemas.microsoft.com/office/drawing/2014/main" id="{05062DE7-28B7-3EBF-B2E3-682356F89215}"/>
               </a:ext>
             </a:extLst>
           </p:cNvPr>
@@ -840,7 +840,7 @@
           <p:cNvPr id="4" name="日期占位符 3">
             <a:extLst>
               <a:ext uri="{FF2B5EF4-FFF2-40B4-BE49-F238E27FC236}">
-                <a16:creationId xmlns:a16="http://schemas.microsoft.com/office/drawing/2014/main" id="{1871ECE7-DFA0-47A7-A3A6-9FB5FB84ACFD}"/>
+                <a16:creationId xmlns:a16="http://schemas.microsoft.com/office/drawing/2014/main" id="{504A294C-F9C4-5482-A784-971B046B09F0}"/>
               </a:ext>
             </a:extLst>
           </p:cNvPr>
@@ -856,7 +856,7 @@
           <a:bodyPr/>
           <a:lstStyle/>
           <a:p>
-            <a:fld id="{73E399BA-B3A5-4DEC-BA6B-642F39DE5297}" type="datetimeFigureOut">
+            <a:fld id="{5150E77C-1645-447F-A10A-10B68F334176}" type="datetimeFigureOut">
               <a:rPr lang="zh-CN" altLang="en-US" smtClean="0"/>
               <a:t>2024/3/10</a:t>
             </a:fld>
@@ -869,7 +869,7 @@
           <p:cNvPr id="5" name="页脚占位符 4">
             <a:extLst>
               <a:ext uri="{FF2B5EF4-FFF2-40B4-BE49-F238E27FC236}">
-                <a16:creationId xmlns:a16="http://schemas.microsoft.com/office/drawing/2014/main" id="{0A174962-3B1C-84AE-0C16-FF0D7E3CBB99}"/>
+                <a16:creationId xmlns:a16="http://schemas.microsoft.com/office/drawing/2014/main" id="{B481A816-DFF6-00B8-B7AB-9B909135295E}"/>
               </a:ext>
             </a:extLst>
           </p:cNvPr>
@@ -894,7 +894,7 @@
           <p:cNvPr id="6" name="灯片编号占位符 5">
             <a:extLst>
               <a:ext uri="{FF2B5EF4-FFF2-40B4-BE49-F238E27FC236}">
-                <a16:creationId xmlns:a16="http://schemas.microsoft.com/office/drawing/2014/main" id="{CC732D6D-5F42-8350-D68D-DB814B3C24FD}"/>
+                <a16:creationId xmlns:a16="http://schemas.microsoft.com/office/drawing/2014/main" id="{BE528936-1854-8585-5DA2-F41EAEE8325B}"/>
               </a:ext>
             </a:extLst>
           </p:cNvPr>
@@ -910,7 +910,7 @@
           <a:bodyPr/>
           <a:lstStyle/>
           <a:p>
-            <a:fld id="{292E05D2-2215-4862-A8B7-0365F4C1AC44}" type="slidenum">
+            <a:fld id="{12DBEA88-DD9E-40B0-87A6-E82F0C556AEF}" type="slidenum">
               <a:rPr lang="zh-CN" altLang="en-US" smtClean="0"/>
               <a:t>‹#›</a:t>
             </a:fld>
@@ -921,7 +921,7 @@
     </p:spTree>
     <p:extLst>
       <p:ext uri="{BB962C8B-B14F-4D97-AF65-F5344CB8AC3E}">
-        <p14:creationId xmlns:p14="http://schemas.microsoft.com/office/powerpoint/2010/main" val="4218321595"/>
+        <p14:creationId xmlns:p14="http://schemas.microsoft.com/office/powerpoint/2010/main" val="2325670251"/>
       </p:ext>
     </p:extLst>
   </p:cSld>
@@ -953,7 +953,7 @@
           <p:cNvPr id="2" name="标题 1">
             <a:extLst>
               <a:ext uri="{FF2B5EF4-FFF2-40B4-BE49-F238E27FC236}">
-                <a16:creationId xmlns:a16="http://schemas.microsoft.com/office/drawing/2014/main" id="{CCB146F6-AFA7-5D8A-8DB1-540911FF7F4E}"/>
+                <a16:creationId xmlns:a16="http://schemas.microsoft.com/office/drawing/2014/main" id="{482C09F7-8AD6-FD96-00D6-DBD58AA6F0BE}"/>
               </a:ext>
             </a:extLst>
           </p:cNvPr>
@@ -990,7 +990,7 @@
           <p:cNvPr id="3" name="文本占位符 2">
             <a:extLst>
               <a:ext uri="{FF2B5EF4-FFF2-40B4-BE49-F238E27FC236}">
-                <a16:creationId xmlns:a16="http://schemas.microsoft.com/office/drawing/2014/main" id="{F0C7295A-9F52-DD3F-7EF9-3776566481F9}"/>
+                <a16:creationId xmlns:a16="http://schemas.microsoft.com/office/drawing/2014/main" id="{B3BCBDFC-F636-8BAA-E5BC-42BC2C4919E2}"/>
               </a:ext>
             </a:extLst>
           </p:cNvPr>
@@ -1115,7 +1115,7 @@
           <p:cNvPr id="4" name="日期占位符 3">
             <a:extLst>
               <a:ext uri="{FF2B5EF4-FFF2-40B4-BE49-F238E27FC236}">
-                <a16:creationId xmlns:a16="http://schemas.microsoft.com/office/drawing/2014/main" id="{47E9B31F-2AB6-5490-E7E0-701DDF19A839}"/>
+                <a16:creationId xmlns:a16="http://schemas.microsoft.com/office/drawing/2014/main" id="{DA0570DC-DC6F-1410-D1D7-BAC54F1CEA2C}"/>
               </a:ext>
             </a:extLst>
           </p:cNvPr>
@@ -1131,7 +1131,7 @@
           <a:bodyPr/>
           <a:lstStyle/>
           <a:p>
-            <a:fld id="{73E399BA-B3A5-4DEC-BA6B-642F39DE5297}" type="datetimeFigureOut">
+            <a:fld id="{5150E77C-1645-447F-A10A-10B68F334176}" type="datetimeFigureOut">
               <a:rPr lang="zh-CN" altLang="en-US" smtClean="0"/>
               <a:t>2024/3/10</a:t>
             </a:fld>
@@ -1144,7 +1144,7 @@
           <p:cNvPr id="5" name="页脚占位符 4">
             <a:extLst>
               <a:ext uri="{FF2B5EF4-FFF2-40B4-BE49-F238E27FC236}">
-                <a16:creationId xmlns:a16="http://schemas.microsoft.com/office/drawing/2014/main" id="{E902A5A5-A446-0538-F417-8A9B409110F6}"/>
+                <a16:creationId xmlns:a16="http://schemas.microsoft.com/office/drawing/2014/main" id="{BE9D106A-4AE1-57B6-47E9-C61191D480A0}"/>
               </a:ext>
             </a:extLst>
           </p:cNvPr>
@@ -1169,7 +1169,7 @@
           <p:cNvPr id="6" name="灯片编号占位符 5">
             <a:extLst>
               <a:ext uri="{FF2B5EF4-FFF2-40B4-BE49-F238E27FC236}">
-                <a16:creationId xmlns:a16="http://schemas.microsoft.com/office/drawing/2014/main" id="{1AC993EE-4A6A-4CA6-BEA6-D6C2536D317F}"/>
+                <a16:creationId xmlns:a16="http://schemas.microsoft.com/office/drawing/2014/main" id="{FDD126E0-A098-12E8-1FC0-FF49A5A0DEB7}"/>
               </a:ext>
             </a:extLst>
           </p:cNvPr>
@@ -1185,7 +1185,7 @@
           <a:bodyPr/>
           <a:lstStyle/>
           <a:p>
-            <a:fld id="{292E05D2-2215-4862-A8B7-0365F4C1AC44}" type="slidenum">
+            <a:fld id="{12DBEA88-DD9E-40B0-87A6-E82F0C556AEF}" type="slidenum">
               <a:rPr lang="zh-CN" altLang="en-US" smtClean="0"/>
               <a:t>‹#›</a:t>
             </a:fld>
@@ -1196,7 +1196,7 @@
     </p:spTree>
     <p:extLst>
       <p:ext uri="{BB962C8B-B14F-4D97-AF65-F5344CB8AC3E}">
-        <p14:creationId xmlns:p14="http://schemas.microsoft.com/office/powerpoint/2010/main" val="496188328"/>
+        <p14:creationId xmlns:p14="http://schemas.microsoft.com/office/powerpoint/2010/main" val="3408228307"/>
       </p:ext>
     </p:extLst>
   </p:cSld>
@@ -1228,7 +1228,7 @@
           <p:cNvPr id="2" name="标题 1">
             <a:extLst>
               <a:ext uri="{FF2B5EF4-FFF2-40B4-BE49-F238E27FC236}">
-                <a16:creationId xmlns:a16="http://schemas.microsoft.com/office/drawing/2014/main" id="{92900D41-C167-C669-4E38-17BE6FEEF1D3}"/>
+                <a16:creationId xmlns:a16="http://schemas.microsoft.com/office/drawing/2014/main" id="{8C333DB0-33E4-2FAE-E046-73077F533820}"/>
               </a:ext>
             </a:extLst>
           </p:cNvPr>
@@ -1256,7 +1256,7 @@
           <p:cNvPr id="3" name="内容占位符 2">
             <a:extLst>
               <a:ext uri="{FF2B5EF4-FFF2-40B4-BE49-F238E27FC236}">
-                <a16:creationId xmlns:a16="http://schemas.microsoft.com/office/drawing/2014/main" id="{CC42088A-63BA-3372-7319-9F7953951F67}"/>
+                <a16:creationId xmlns:a16="http://schemas.microsoft.com/office/drawing/2014/main" id="{2ABA2959-07B1-EB7B-425F-4E62EB32A881}"/>
               </a:ext>
             </a:extLst>
           </p:cNvPr>
@@ -1318,7 +1318,7 @@
           <p:cNvPr id="4" name="内容占位符 3">
             <a:extLst>
               <a:ext uri="{FF2B5EF4-FFF2-40B4-BE49-F238E27FC236}">
-                <a16:creationId xmlns:a16="http://schemas.microsoft.com/office/drawing/2014/main" id="{0CEC24D3-9E7E-2E84-1025-99830D165001}"/>
+                <a16:creationId xmlns:a16="http://schemas.microsoft.com/office/drawing/2014/main" id="{42FFFEB1-3414-640B-1A77-A177732B1128}"/>
               </a:ext>
             </a:extLst>
           </p:cNvPr>
@@ -1380,7 +1380,7 @@
           <p:cNvPr id="5" name="日期占位符 4">
             <a:extLst>
               <a:ext uri="{FF2B5EF4-FFF2-40B4-BE49-F238E27FC236}">
-                <a16:creationId xmlns:a16="http://schemas.microsoft.com/office/drawing/2014/main" id="{D612C986-67C0-1E4D-AC7D-ADD6EFBCE485}"/>
+                <a16:creationId xmlns:a16="http://schemas.microsoft.com/office/drawing/2014/main" id="{6276492F-C4C4-07CF-2B06-CB332D83FCFD}"/>
               </a:ext>
             </a:extLst>
           </p:cNvPr>
@@ -1396,7 +1396,7 @@
           <a:bodyPr/>
           <a:lstStyle/>
           <a:p>
-            <a:fld id="{73E399BA-B3A5-4DEC-BA6B-642F39DE5297}" type="datetimeFigureOut">
+            <a:fld id="{5150E77C-1645-447F-A10A-10B68F334176}" type="datetimeFigureOut">
               <a:rPr lang="zh-CN" altLang="en-US" smtClean="0"/>
               <a:t>2024/3/10</a:t>
             </a:fld>
@@ -1409,7 +1409,7 @@
           <p:cNvPr id="6" name="页脚占位符 5">
             <a:extLst>
               <a:ext uri="{FF2B5EF4-FFF2-40B4-BE49-F238E27FC236}">
-                <a16:creationId xmlns:a16="http://schemas.microsoft.com/office/drawing/2014/main" id="{D39976F9-C2AF-5A00-95C9-045656C2343A}"/>
+                <a16:creationId xmlns:a16="http://schemas.microsoft.com/office/drawing/2014/main" id="{54685828-EDA6-E0F1-98F7-29016FF01ACD}"/>
               </a:ext>
             </a:extLst>
           </p:cNvPr>
@@ -1434,7 +1434,7 @@
           <p:cNvPr id="7" name="灯片编号占位符 6">
             <a:extLst>
               <a:ext uri="{FF2B5EF4-FFF2-40B4-BE49-F238E27FC236}">
-                <a16:creationId xmlns:a16="http://schemas.microsoft.com/office/drawing/2014/main" id="{1D447D3B-1422-A4CE-EA62-EECC68CBCE04}"/>
+                <a16:creationId xmlns:a16="http://schemas.microsoft.com/office/drawing/2014/main" id="{28AE0BD3-4567-C20D-E25C-10705E48E2F9}"/>
               </a:ext>
             </a:extLst>
           </p:cNvPr>
@@ -1450,7 +1450,7 @@
           <a:bodyPr/>
           <a:lstStyle/>
           <a:p>
-            <a:fld id="{292E05D2-2215-4862-A8B7-0365F4C1AC44}" type="slidenum">
+            <a:fld id="{12DBEA88-DD9E-40B0-87A6-E82F0C556AEF}" type="slidenum">
               <a:rPr lang="zh-CN" altLang="en-US" smtClean="0"/>
               <a:t>‹#›</a:t>
             </a:fld>
@@ -1461,7 +1461,7 @@
     </p:spTree>
     <p:extLst>
       <p:ext uri="{BB962C8B-B14F-4D97-AF65-F5344CB8AC3E}">
-        <p14:creationId xmlns:p14="http://schemas.microsoft.com/office/powerpoint/2010/main" val="4175768230"/>
+        <p14:creationId xmlns:p14="http://schemas.microsoft.com/office/powerpoint/2010/main" val="2596093624"/>
       </p:ext>
     </p:extLst>
   </p:cSld>
@@ -1493,7 +1493,7 @@
           <p:cNvPr id="2" name="标题 1">
             <a:extLst>
               <a:ext uri="{FF2B5EF4-FFF2-40B4-BE49-F238E27FC236}">
-                <a16:creationId xmlns:a16="http://schemas.microsoft.com/office/drawing/2014/main" id="{027D25CD-7B8A-228D-8C3D-7B7D10DFDE1E}"/>
+                <a16:creationId xmlns:a16="http://schemas.microsoft.com/office/drawing/2014/main" id="{E24B424D-5BEB-B65C-C516-55079C284226}"/>
               </a:ext>
             </a:extLst>
           </p:cNvPr>
@@ -1526,7 +1526,7 @@
           <p:cNvPr id="3" name="文本占位符 2">
             <a:extLst>
               <a:ext uri="{FF2B5EF4-FFF2-40B4-BE49-F238E27FC236}">
-                <a16:creationId xmlns:a16="http://schemas.microsoft.com/office/drawing/2014/main" id="{70F0F741-C353-DED4-B501-54DAE17648A8}"/>
+                <a16:creationId xmlns:a16="http://schemas.microsoft.com/office/drawing/2014/main" id="{DA8192DA-2D5D-5B1F-2EF9-E208E0C4EC04}"/>
               </a:ext>
             </a:extLst>
           </p:cNvPr>
@@ -1597,7 +1597,7 @@
           <p:cNvPr id="4" name="内容占位符 3">
             <a:extLst>
               <a:ext uri="{FF2B5EF4-FFF2-40B4-BE49-F238E27FC236}">
-                <a16:creationId xmlns:a16="http://schemas.microsoft.com/office/drawing/2014/main" id="{8871D828-1028-3FA1-47C1-9415405FB4A4}"/>
+                <a16:creationId xmlns:a16="http://schemas.microsoft.com/office/drawing/2014/main" id="{BB8F8A4A-21C0-68E1-D291-A61242354800}"/>
               </a:ext>
             </a:extLst>
           </p:cNvPr>
@@ -1659,7 +1659,7 @@
           <p:cNvPr id="5" name="文本占位符 4">
             <a:extLst>
               <a:ext uri="{FF2B5EF4-FFF2-40B4-BE49-F238E27FC236}">
-                <a16:creationId xmlns:a16="http://schemas.microsoft.com/office/drawing/2014/main" id="{5821F62D-EA56-A268-9877-26B7E1F762C1}"/>
+                <a16:creationId xmlns:a16="http://schemas.microsoft.com/office/drawing/2014/main" id="{74230FF0-FA62-F67F-7E0B-770448155C2D}"/>
               </a:ext>
             </a:extLst>
           </p:cNvPr>
@@ -1730,7 +1730,7 @@
           <p:cNvPr id="6" name="内容占位符 5">
             <a:extLst>
               <a:ext uri="{FF2B5EF4-FFF2-40B4-BE49-F238E27FC236}">
-                <a16:creationId xmlns:a16="http://schemas.microsoft.com/office/drawing/2014/main" id="{190564A3-A6E7-6AB4-EA9D-3A5FB1FD4999}"/>
+                <a16:creationId xmlns:a16="http://schemas.microsoft.com/office/drawing/2014/main" id="{6F1AA0B7-E2BE-2FCC-64FE-5A0E3C0D2244}"/>
               </a:ext>
             </a:extLst>
           </p:cNvPr>
@@ -1792,7 +1792,7 @@
           <p:cNvPr id="7" name="日期占位符 6">
             <a:extLst>
               <a:ext uri="{FF2B5EF4-FFF2-40B4-BE49-F238E27FC236}">
-                <a16:creationId xmlns:a16="http://schemas.microsoft.com/office/drawing/2014/main" id="{860ABA8F-EC03-8B3B-FD30-C1A08A869241}"/>
+                <a16:creationId xmlns:a16="http://schemas.microsoft.com/office/drawing/2014/main" id="{731E5F9C-2BFE-00E6-20DB-5A29200F7F1F}"/>
               </a:ext>
             </a:extLst>
           </p:cNvPr>
@@ -1808,7 +1808,7 @@
           <a:bodyPr/>
           <a:lstStyle/>
           <a:p>
-            <a:fld id="{73E399BA-B3A5-4DEC-BA6B-642F39DE5297}" type="datetimeFigureOut">
+            <a:fld id="{5150E77C-1645-447F-A10A-10B68F334176}" type="datetimeFigureOut">
               <a:rPr lang="zh-CN" altLang="en-US" smtClean="0"/>
               <a:t>2024/3/10</a:t>
             </a:fld>
@@ -1821,7 +1821,7 @@
           <p:cNvPr id="8" name="页脚占位符 7">
             <a:extLst>
               <a:ext uri="{FF2B5EF4-FFF2-40B4-BE49-F238E27FC236}">
-                <a16:creationId xmlns:a16="http://schemas.microsoft.com/office/drawing/2014/main" id="{CA91A051-894F-3FA8-4068-36F2AADE55E7}"/>
+                <a16:creationId xmlns:a16="http://schemas.microsoft.com/office/drawing/2014/main" id="{511947E5-6C47-711E-4F69-691BB64B643C}"/>
               </a:ext>
             </a:extLst>
           </p:cNvPr>
@@ -1846,7 +1846,7 @@
           <p:cNvPr id="9" name="灯片编号占位符 8">
             <a:extLst>
               <a:ext uri="{FF2B5EF4-FFF2-40B4-BE49-F238E27FC236}">
-                <a16:creationId xmlns:a16="http://schemas.microsoft.com/office/drawing/2014/main" id="{DD2D40D0-D3E6-718B-7464-81D7DBB09698}"/>
+                <a16:creationId xmlns:a16="http://schemas.microsoft.com/office/drawing/2014/main" id="{022E545C-9346-B813-8FF0-2CFBDC556301}"/>
               </a:ext>
             </a:extLst>
           </p:cNvPr>
@@ -1862,7 +1862,7 @@
           <a:bodyPr/>
           <a:lstStyle/>
           <a:p>
-            <a:fld id="{292E05D2-2215-4862-A8B7-0365F4C1AC44}" type="slidenum">
+            <a:fld id="{12DBEA88-DD9E-40B0-87A6-E82F0C556AEF}" type="slidenum">
               <a:rPr lang="zh-CN" altLang="en-US" smtClean="0"/>
               <a:t>‹#›</a:t>
             </a:fld>
@@ -1873,7 +1873,7 @@
     </p:spTree>
     <p:extLst>
       <p:ext uri="{BB962C8B-B14F-4D97-AF65-F5344CB8AC3E}">
-        <p14:creationId xmlns:p14="http://schemas.microsoft.com/office/powerpoint/2010/main" val="698785564"/>
+        <p14:creationId xmlns:p14="http://schemas.microsoft.com/office/powerpoint/2010/main" val="1593910962"/>
       </p:ext>
     </p:extLst>
   </p:cSld>
@@ -1905,7 +1905,7 @@
           <p:cNvPr id="2" name="标题 1">
             <a:extLst>
               <a:ext uri="{FF2B5EF4-FFF2-40B4-BE49-F238E27FC236}">
-                <a16:creationId xmlns:a16="http://schemas.microsoft.com/office/drawing/2014/main" id="{C71B076F-3518-69BB-8650-219A4B8B3C3B}"/>
+                <a16:creationId xmlns:a16="http://schemas.microsoft.com/office/drawing/2014/main" id="{8E23483F-D799-FE95-2BC5-F5E11D392B43}"/>
               </a:ext>
             </a:extLst>
           </p:cNvPr>
@@ -1933,7 +1933,7 @@
           <p:cNvPr id="3" name="日期占位符 2">
             <a:extLst>
               <a:ext uri="{FF2B5EF4-FFF2-40B4-BE49-F238E27FC236}">
-                <a16:creationId xmlns:a16="http://schemas.microsoft.com/office/drawing/2014/main" id="{91FD943F-98F6-B8E3-187F-262785D268EF}"/>
+                <a16:creationId xmlns:a16="http://schemas.microsoft.com/office/drawing/2014/main" id="{DD0AB09E-9926-B679-83F6-74C6B9EB4C83}"/>
               </a:ext>
             </a:extLst>
           </p:cNvPr>
@@ -1949,7 +1949,7 @@
           <a:bodyPr/>
           <a:lstStyle/>
           <a:p>
-            <a:fld id="{73E399BA-B3A5-4DEC-BA6B-642F39DE5297}" type="datetimeFigureOut">
+            <a:fld id="{5150E77C-1645-447F-A10A-10B68F334176}" type="datetimeFigureOut">
               <a:rPr lang="zh-CN" altLang="en-US" smtClean="0"/>
               <a:t>2024/3/10</a:t>
             </a:fld>
@@ -1962,7 +1962,7 @@
           <p:cNvPr id="4" name="页脚占位符 3">
             <a:extLst>
               <a:ext uri="{FF2B5EF4-FFF2-40B4-BE49-F238E27FC236}">
-                <a16:creationId xmlns:a16="http://schemas.microsoft.com/office/drawing/2014/main" id="{875F04C3-DA57-7269-26EE-ECDF82F62DDB}"/>
+                <a16:creationId xmlns:a16="http://schemas.microsoft.com/office/drawing/2014/main" id="{C8094FFC-AB15-AD10-FEC6-94D753B8B6C7}"/>
               </a:ext>
             </a:extLst>
           </p:cNvPr>
@@ -1987,7 +1987,7 @@
           <p:cNvPr id="5" name="灯片编号占位符 4">
             <a:extLst>
               <a:ext uri="{FF2B5EF4-FFF2-40B4-BE49-F238E27FC236}">
-                <a16:creationId xmlns:a16="http://schemas.microsoft.com/office/drawing/2014/main" id="{A854AFBA-7EF3-57CE-254E-FDFCB4234036}"/>
+                <a16:creationId xmlns:a16="http://schemas.microsoft.com/office/drawing/2014/main" id="{DFC2E90B-63E0-3033-D0C6-3D2543CB9283}"/>
               </a:ext>
             </a:extLst>
           </p:cNvPr>
@@ -2003,7 +2003,7 @@
           <a:bodyPr/>
           <a:lstStyle/>
           <a:p>
-            <a:fld id="{292E05D2-2215-4862-A8B7-0365F4C1AC44}" type="slidenum">
+            <a:fld id="{12DBEA88-DD9E-40B0-87A6-E82F0C556AEF}" type="slidenum">
               <a:rPr lang="zh-CN" altLang="en-US" smtClean="0"/>
               <a:t>‹#›</a:t>
             </a:fld>
@@ -2014,7 +2014,7 @@
     </p:spTree>
     <p:extLst>
       <p:ext uri="{BB962C8B-B14F-4D97-AF65-F5344CB8AC3E}">
-        <p14:creationId xmlns:p14="http://schemas.microsoft.com/office/powerpoint/2010/main" val="314278098"/>
+        <p14:creationId xmlns:p14="http://schemas.microsoft.com/office/powerpoint/2010/main" val="3105441577"/>
       </p:ext>
     </p:extLst>
   </p:cSld>
@@ -2046,7 +2046,7 @@
           <p:cNvPr id="2" name="日期占位符 1">
             <a:extLst>
               <a:ext uri="{FF2B5EF4-FFF2-40B4-BE49-F238E27FC236}">
-                <a16:creationId xmlns:a16="http://schemas.microsoft.com/office/drawing/2014/main" id="{5E09951D-BA6B-0EDE-B669-B3A20B8FA8B7}"/>
+                <a16:creationId xmlns:a16="http://schemas.microsoft.com/office/drawing/2014/main" id="{DA86C51F-176F-2A6F-CB8B-60CF24CAEE6A}"/>
               </a:ext>
             </a:extLst>
           </p:cNvPr>
@@ -2062,7 +2062,7 @@
           <a:bodyPr/>
           <a:lstStyle/>
           <a:p>
-            <a:fld id="{73E399BA-B3A5-4DEC-BA6B-642F39DE5297}" type="datetimeFigureOut">
+            <a:fld id="{5150E77C-1645-447F-A10A-10B68F334176}" type="datetimeFigureOut">
               <a:rPr lang="zh-CN" altLang="en-US" smtClean="0"/>
               <a:t>2024/3/10</a:t>
             </a:fld>
@@ -2075,7 +2075,7 @@
           <p:cNvPr id="3" name="页脚占位符 2">
             <a:extLst>
               <a:ext uri="{FF2B5EF4-FFF2-40B4-BE49-F238E27FC236}">
-                <a16:creationId xmlns:a16="http://schemas.microsoft.com/office/drawing/2014/main" id="{3C01DC29-497A-9AB0-DCC0-22F8A30BE640}"/>
+                <a16:creationId xmlns:a16="http://schemas.microsoft.com/office/drawing/2014/main" id="{409185EE-075F-3286-ED05-879012B5ABA8}"/>
               </a:ext>
             </a:extLst>
           </p:cNvPr>
@@ -2100,7 +2100,7 @@
           <p:cNvPr id="4" name="灯片编号占位符 3">
             <a:extLst>
               <a:ext uri="{FF2B5EF4-FFF2-40B4-BE49-F238E27FC236}">
-                <a16:creationId xmlns:a16="http://schemas.microsoft.com/office/drawing/2014/main" id="{8F125412-3FDA-957A-5605-E54C7A3C80F1}"/>
+                <a16:creationId xmlns:a16="http://schemas.microsoft.com/office/drawing/2014/main" id="{2114C275-1B4F-C35B-E867-4C4B8EF3FCBB}"/>
               </a:ext>
             </a:extLst>
           </p:cNvPr>
@@ -2116,7 +2116,7 @@
           <a:bodyPr/>
           <a:lstStyle/>
           <a:p>
-            <a:fld id="{292E05D2-2215-4862-A8B7-0365F4C1AC44}" type="slidenum">
+            <a:fld id="{12DBEA88-DD9E-40B0-87A6-E82F0C556AEF}" type="slidenum">
               <a:rPr lang="zh-CN" altLang="en-US" smtClean="0"/>
               <a:t>‹#›</a:t>
             </a:fld>
@@ -2127,7 +2127,7 @@
     </p:spTree>
     <p:extLst>
       <p:ext uri="{BB962C8B-B14F-4D97-AF65-F5344CB8AC3E}">
-        <p14:creationId xmlns:p14="http://schemas.microsoft.com/office/powerpoint/2010/main" val="3541256987"/>
+        <p14:creationId xmlns:p14="http://schemas.microsoft.com/office/powerpoint/2010/main" val="1982982914"/>
       </p:ext>
     </p:extLst>
   </p:cSld>
@@ -2159,7 +2159,7 @@
           <p:cNvPr id="2" name="标题 1">
             <a:extLst>
               <a:ext uri="{FF2B5EF4-FFF2-40B4-BE49-F238E27FC236}">
-                <a16:creationId xmlns:a16="http://schemas.microsoft.com/office/drawing/2014/main" id="{095B7E07-24DF-F6B8-9F3D-71E70855F661}"/>
+                <a16:creationId xmlns:a16="http://schemas.microsoft.com/office/drawing/2014/main" id="{3E186D8D-933A-85A9-0162-2987436B8564}"/>
               </a:ext>
             </a:extLst>
           </p:cNvPr>
@@ -2196,7 +2196,7 @@
           <p:cNvPr id="3" name="内容占位符 2">
             <a:extLst>
               <a:ext uri="{FF2B5EF4-FFF2-40B4-BE49-F238E27FC236}">
-                <a16:creationId xmlns:a16="http://schemas.microsoft.com/office/drawing/2014/main" id="{61BF39A5-44DE-9FA0-5A96-2FAA3F2F88E0}"/>
+                <a16:creationId xmlns:a16="http://schemas.microsoft.com/office/drawing/2014/main" id="{7A3635E2-D38A-B6A6-28A5-E3B8C91A0825}"/>
               </a:ext>
             </a:extLst>
           </p:cNvPr>
@@ -2286,7 +2286,7 @@
           <p:cNvPr id="4" name="文本占位符 3">
             <a:extLst>
               <a:ext uri="{FF2B5EF4-FFF2-40B4-BE49-F238E27FC236}">
-                <a16:creationId xmlns:a16="http://schemas.microsoft.com/office/drawing/2014/main" id="{D7F20565-0634-5608-71B4-BF3A04A310BF}"/>
+                <a16:creationId xmlns:a16="http://schemas.microsoft.com/office/drawing/2014/main" id="{B1D7267C-1FB5-CFCA-662D-51CE582E54BD}"/>
               </a:ext>
             </a:extLst>
           </p:cNvPr>
@@ -2357,7 +2357,7 @@
           <p:cNvPr id="5" name="日期占位符 4">
             <a:extLst>
               <a:ext uri="{FF2B5EF4-FFF2-40B4-BE49-F238E27FC236}">
-                <a16:creationId xmlns:a16="http://schemas.microsoft.com/office/drawing/2014/main" id="{B918E3DD-7063-0D03-12CB-8B6952F11BB6}"/>
+                <a16:creationId xmlns:a16="http://schemas.microsoft.com/office/drawing/2014/main" id="{2BFCB5D9-8D9F-D4AC-574E-0072533FF15A}"/>
               </a:ext>
             </a:extLst>
           </p:cNvPr>
@@ -2373,7 +2373,7 @@
           <a:bodyPr/>
           <a:lstStyle/>
           <a:p>
-            <a:fld id="{73E399BA-B3A5-4DEC-BA6B-642F39DE5297}" type="datetimeFigureOut">
+            <a:fld id="{5150E77C-1645-447F-A10A-10B68F334176}" type="datetimeFigureOut">
               <a:rPr lang="zh-CN" altLang="en-US" smtClean="0"/>
               <a:t>2024/3/10</a:t>
             </a:fld>
@@ -2386,7 +2386,7 @@
           <p:cNvPr id="6" name="页脚占位符 5">
             <a:extLst>
               <a:ext uri="{FF2B5EF4-FFF2-40B4-BE49-F238E27FC236}">
-                <a16:creationId xmlns:a16="http://schemas.microsoft.com/office/drawing/2014/main" id="{F685F36D-9434-844A-7387-04A8E4E0C4DB}"/>
+                <a16:creationId xmlns:a16="http://schemas.microsoft.com/office/drawing/2014/main" id="{111B0051-C73D-FA99-09DC-D2923FE759CA}"/>
               </a:ext>
             </a:extLst>
           </p:cNvPr>
@@ -2411,7 +2411,7 @@
           <p:cNvPr id="7" name="灯片编号占位符 6">
             <a:extLst>
               <a:ext uri="{FF2B5EF4-FFF2-40B4-BE49-F238E27FC236}">
-                <a16:creationId xmlns:a16="http://schemas.microsoft.com/office/drawing/2014/main" id="{0D9110CE-EF92-02C5-1C28-CAD2B42D67DE}"/>
+                <a16:creationId xmlns:a16="http://schemas.microsoft.com/office/drawing/2014/main" id="{927AE1EA-256B-C7B8-8794-BA72F53B1686}"/>
               </a:ext>
             </a:extLst>
           </p:cNvPr>
@@ -2427,7 +2427,7 @@
           <a:bodyPr/>
           <a:lstStyle/>
           <a:p>
-            <a:fld id="{292E05D2-2215-4862-A8B7-0365F4C1AC44}" type="slidenum">
+            <a:fld id="{12DBEA88-DD9E-40B0-87A6-E82F0C556AEF}" type="slidenum">
               <a:rPr lang="zh-CN" altLang="en-US" smtClean="0"/>
               <a:t>‹#›</a:t>
             </a:fld>
@@ -2438,7 +2438,7 @@
     </p:spTree>
     <p:extLst>
       <p:ext uri="{BB962C8B-B14F-4D97-AF65-F5344CB8AC3E}">
-        <p14:creationId xmlns:p14="http://schemas.microsoft.com/office/powerpoint/2010/main" val="2173642225"/>
+        <p14:creationId xmlns:p14="http://schemas.microsoft.com/office/powerpoint/2010/main" val="2214042777"/>
       </p:ext>
     </p:extLst>
   </p:cSld>
@@ -2470,7 +2470,7 @@
           <p:cNvPr id="2" name="标题 1">
             <a:extLst>
               <a:ext uri="{FF2B5EF4-FFF2-40B4-BE49-F238E27FC236}">
-                <a16:creationId xmlns:a16="http://schemas.microsoft.com/office/drawing/2014/main" id="{76853BB2-BB5A-899F-ABF4-35103BEA38A9}"/>
+                <a16:creationId xmlns:a16="http://schemas.microsoft.com/office/drawing/2014/main" id="{9C1DF5F5-5712-7C3A-4224-6FE309872E47}"/>
               </a:ext>
             </a:extLst>
           </p:cNvPr>
@@ -2507,7 +2507,7 @@
           <p:cNvPr id="3" name="图片占位符 2">
             <a:extLst>
               <a:ext uri="{FF2B5EF4-FFF2-40B4-BE49-F238E27FC236}">
-                <a16:creationId xmlns:a16="http://schemas.microsoft.com/office/drawing/2014/main" id="{EB0EF785-0F08-0A85-0985-AE6B8D2E6631}"/>
+                <a16:creationId xmlns:a16="http://schemas.microsoft.com/office/drawing/2014/main" id="{8C49D974-5789-669F-0826-D146EDD709F0}"/>
               </a:ext>
             </a:extLst>
           </p:cNvPr>
@@ -2574,7 +2574,7 @@
           <p:cNvPr id="4" name="文本占位符 3">
             <a:extLst>
               <a:ext uri="{FF2B5EF4-FFF2-40B4-BE49-F238E27FC236}">
-                <a16:creationId xmlns:a16="http://schemas.microsoft.com/office/drawing/2014/main" id="{68DF75EF-109D-0E47-8244-1DE6028E6736}"/>
+                <a16:creationId xmlns:a16="http://schemas.microsoft.com/office/drawing/2014/main" id="{F8BEE4F4-7C8B-649D-0E14-D077155ED8A6}"/>
               </a:ext>
             </a:extLst>
           </p:cNvPr>
@@ -2645,7 +2645,7 @@
           <p:cNvPr id="5" name="日期占位符 4">
             <a:extLst>
               <a:ext uri="{FF2B5EF4-FFF2-40B4-BE49-F238E27FC236}">
-                <a16:creationId xmlns:a16="http://schemas.microsoft.com/office/drawing/2014/main" id="{EBAC7394-879C-5280-B37D-19F53DC6E91B}"/>
+                <a16:creationId xmlns:a16="http://schemas.microsoft.com/office/drawing/2014/main" id="{E4D739EE-945F-A889-FF2A-1A323DD6FD7A}"/>
               </a:ext>
             </a:extLst>
           </p:cNvPr>
@@ -2661,7 +2661,7 @@
           <a:bodyPr/>
           <a:lstStyle/>
           <a:p>
-            <a:fld id="{73E399BA-B3A5-4DEC-BA6B-642F39DE5297}" type="datetimeFigureOut">
+            <a:fld id="{5150E77C-1645-447F-A10A-10B68F334176}" type="datetimeFigureOut">
               <a:rPr lang="zh-CN" altLang="en-US" smtClean="0"/>
               <a:t>2024/3/10</a:t>
             </a:fld>
@@ -2674,7 +2674,7 @@
           <p:cNvPr id="6" name="页脚占位符 5">
             <a:extLst>
               <a:ext uri="{FF2B5EF4-FFF2-40B4-BE49-F238E27FC236}">
-                <a16:creationId xmlns:a16="http://schemas.microsoft.com/office/drawing/2014/main" id="{74A315D7-E8E8-F124-1858-343F45CC10B1}"/>
+                <a16:creationId xmlns:a16="http://schemas.microsoft.com/office/drawing/2014/main" id="{3554318E-63FF-6EA2-734C-C073A783D9BB}"/>
               </a:ext>
             </a:extLst>
           </p:cNvPr>
@@ -2699,7 +2699,7 @@
           <p:cNvPr id="7" name="灯片编号占位符 6">
             <a:extLst>
               <a:ext uri="{FF2B5EF4-FFF2-40B4-BE49-F238E27FC236}">
-                <a16:creationId xmlns:a16="http://schemas.microsoft.com/office/drawing/2014/main" id="{CEAEB035-60D0-2DCB-E32D-2B92DE6DC7FF}"/>
+                <a16:creationId xmlns:a16="http://schemas.microsoft.com/office/drawing/2014/main" id="{559A8326-D8CE-67EE-5F6D-BF696E627268}"/>
               </a:ext>
             </a:extLst>
           </p:cNvPr>
@@ -2715,7 +2715,7 @@
           <a:bodyPr/>
           <a:lstStyle/>
           <a:p>
-            <a:fld id="{292E05D2-2215-4862-A8B7-0365F4C1AC44}" type="slidenum">
+            <a:fld id="{12DBEA88-DD9E-40B0-87A6-E82F0C556AEF}" type="slidenum">
               <a:rPr lang="zh-CN" altLang="en-US" smtClean="0"/>
               <a:t>‹#›</a:t>
             </a:fld>
@@ -2726,7 +2726,7 @@
     </p:spTree>
     <p:extLst>
       <p:ext uri="{BB962C8B-B14F-4D97-AF65-F5344CB8AC3E}">
-        <p14:creationId xmlns:p14="http://schemas.microsoft.com/office/powerpoint/2010/main" val="2205954578"/>
+        <p14:creationId xmlns:p14="http://schemas.microsoft.com/office/powerpoint/2010/main" val="305117633"/>
       </p:ext>
     </p:extLst>
   </p:cSld>
@@ -2763,7 +2763,7 @@
           <p:cNvPr id="2" name="标题占位符 1">
             <a:extLst>
               <a:ext uri="{FF2B5EF4-FFF2-40B4-BE49-F238E27FC236}">
-                <a16:creationId xmlns:a16="http://schemas.microsoft.com/office/drawing/2014/main" id="{0A7E3F0B-F4B5-78F4-D556-1A7D74CC22D1}"/>
+                <a16:creationId xmlns:a16="http://schemas.microsoft.com/office/drawing/2014/main" id="{ADBF125E-2ADD-F67C-0C07-D6BFBD33C8CE}"/>
               </a:ext>
             </a:extLst>
           </p:cNvPr>
@@ -2801,7 +2801,7 @@
           <p:cNvPr id="3" name="文本占位符 2">
             <a:extLst>
               <a:ext uri="{FF2B5EF4-FFF2-40B4-BE49-F238E27FC236}">
-                <a16:creationId xmlns:a16="http://schemas.microsoft.com/office/drawing/2014/main" id="{AD8E4B0A-53C7-6DA3-E413-3A7E28071497}"/>
+                <a16:creationId xmlns:a16="http://schemas.microsoft.com/office/drawing/2014/main" id="{9F53901F-DBD1-798F-50E3-330B538FB666}"/>
               </a:ext>
             </a:extLst>
           </p:cNvPr>
@@ -2868,7 +2868,7 @@
           <p:cNvPr id="4" name="日期占位符 3">
             <a:extLst>
               <a:ext uri="{FF2B5EF4-FFF2-40B4-BE49-F238E27FC236}">
-                <a16:creationId xmlns:a16="http://schemas.microsoft.com/office/drawing/2014/main" id="{4652806C-108B-94F1-7FAF-A84E38B8D59B}"/>
+                <a16:creationId xmlns:a16="http://schemas.microsoft.com/office/drawing/2014/main" id="{29EEDC9C-6B6E-44B6-68CB-1ED95DA56591}"/>
               </a:ext>
             </a:extLst>
           </p:cNvPr>
@@ -2902,7 +2902,7 @@
             </a:lvl1pPr>
           </a:lstStyle>
           <a:p>
-            <a:fld id="{73E399BA-B3A5-4DEC-BA6B-642F39DE5297}" type="datetimeFigureOut">
+            <a:fld id="{5150E77C-1645-447F-A10A-10B68F334176}" type="datetimeFigureOut">
               <a:rPr lang="zh-CN" altLang="en-US" smtClean="0"/>
               <a:t>2024/3/10</a:t>
             </a:fld>
@@ -2915,7 +2915,7 @@
           <p:cNvPr id="5" name="页脚占位符 4">
             <a:extLst>
               <a:ext uri="{FF2B5EF4-FFF2-40B4-BE49-F238E27FC236}">
-                <a16:creationId xmlns:a16="http://schemas.microsoft.com/office/drawing/2014/main" id="{6F4562AA-0723-0240-4D6C-51BA57B24A7B}"/>
+                <a16:creationId xmlns:a16="http://schemas.microsoft.com/office/drawing/2014/main" id="{D0AEF461-4673-6DD7-E76D-8BA3623BA039}"/>
               </a:ext>
             </a:extLst>
           </p:cNvPr>
@@ -2958,7 +2958,7 @@
           <p:cNvPr id="6" name="灯片编号占位符 5">
             <a:extLst>
               <a:ext uri="{FF2B5EF4-FFF2-40B4-BE49-F238E27FC236}">
-                <a16:creationId xmlns:a16="http://schemas.microsoft.com/office/drawing/2014/main" id="{874A5F3E-BAB6-89B1-CA0B-8D923BF42A31}"/>
+                <a16:creationId xmlns:a16="http://schemas.microsoft.com/office/drawing/2014/main" id="{08EC0736-69E5-479A-A5B3-4598BDB7A2ED}"/>
               </a:ext>
             </a:extLst>
           </p:cNvPr>
@@ -2992,7 +2992,7 @@
             </a:lvl1pPr>
           </a:lstStyle>
           <a:p>
-            <a:fld id="{292E05D2-2215-4862-A8B7-0365F4C1AC44}" type="slidenum">
+            <a:fld id="{12DBEA88-DD9E-40B0-87A6-E82F0C556AEF}" type="slidenum">
               <a:rPr lang="zh-CN" altLang="en-US" smtClean="0"/>
               <a:t>‹#›</a:t>
             </a:fld>
@@ -3003,7 +3003,7 @@
     </p:spTree>
     <p:extLst>
       <p:ext uri="{BB962C8B-B14F-4D97-AF65-F5344CB8AC3E}">
-        <p14:creationId xmlns:p14="http://schemas.microsoft.com/office/powerpoint/2010/main" val="2737692460"/>
+        <p14:creationId xmlns:p14="http://schemas.microsoft.com/office/powerpoint/2010/main" val="4000269693"/>
       </p:ext>
     </p:extLst>
   </p:cSld>
@@ -3323,7 +3323,7 @@
       </p:grpSpPr>
       <p:pic>
         <p:nvPicPr>
-          <p:cNvPr id="1543170" name="Picture 2" descr="1506"/>
+          <p:cNvPr id="1544194" name="Picture 2" descr="1507"/>
           <p:cNvPicPr>
             <a:picLocks noChangeAspect="1" noChangeArrowheads="1"/>
           </p:cNvPicPr>
@@ -3344,8 +3344,8 @@
         </p:blipFill>
         <p:spPr bwMode="auto">
           <a:xfrm>
-            <a:off x="1524000" y="0"/>
-            <a:ext cx="9144000" cy="6858000"/>
+            <a:off x="1524000" y="14288"/>
+            <a:ext cx="9124950" cy="6843712"/>
           </a:xfrm>
           <a:prstGeom prst="rect">
             <a:avLst/>
